--- a/docs/diagrams/UndoRedoNewCommand2StateListDiagram.pptx
+++ b/docs/diagrams/UndoRedoNewCommand2StateListDiagram.pptx
@@ -112,10 +112,6 @@
 </p:presentation>
 </file>
 
-<file path=ppt/revisionInfo.xml><?xml version="1.0" encoding="utf-8"?>
-<p1510:revInfo xmlns:a="http://schemas.openxmlformats.org/drawingml/2006/main" xmlns:r="http://schemas.openxmlformats.org/officeDocument/2006/relationships" xmlns:p1510="http://schemas.microsoft.com/office/powerpoint/2015/10/main"/>
-</file>
-
 <file path=ppt/slideLayouts/slideLayout1.xml><?xml version="1.0" encoding="utf-8"?>
 <p:sldLayout xmlns:a="http://schemas.openxmlformats.org/drawingml/2006/main" xmlns:r="http://schemas.openxmlformats.org/officeDocument/2006/relationships" xmlns:p="http://schemas.openxmlformats.org/presentationml/2006/main" type="title" preserve="1">
   <p:cSld name="Title Slide">
@@ -265,7 +261,7 @@
           <a:p>
             <a:fld id="{03EC4E3E-8101-482F-A883-8B55DAFF7C07}" type="datetimeFigureOut">
               <a:rPr lang="en-SG" smtClean="0"/>
-              <a:t>6/7/2018</a:t>
+              <a:t>11/11/2018</a:t>
             </a:fld>
             <a:endParaRPr lang="en-SG"/>
           </a:p>
@@ -465,7 +461,7 @@
           <a:p>
             <a:fld id="{03EC4E3E-8101-482F-A883-8B55DAFF7C07}" type="datetimeFigureOut">
               <a:rPr lang="en-SG" smtClean="0"/>
-              <a:t>6/7/2018</a:t>
+              <a:t>11/11/2018</a:t>
             </a:fld>
             <a:endParaRPr lang="en-SG"/>
           </a:p>
@@ -675,7 +671,7 @@
           <a:p>
             <a:fld id="{03EC4E3E-8101-482F-A883-8B55DAFF7C07}" type="datetimeFigureOut">
               <a:rPr lang="en-SG" smtClean="0"/>
-              <a:t>6/7/2018</a:t>
+              <a:t>11/11/2018</a:t>
             </a:fld>
             <a:endParaRPr lang="en-SG"/>
           </a:p>
@@ -875,7 +871,7 @@
           <a:p>
             <a:fld id="{03EC4E3E-8101-482F-A883-8B55DAFF7C07}" type="datetimeFigureOut">
               <a:rPr lang="en-SG" smtClean="0"/>
-              <a:t>6/7/2018</a:t>
+              <a:t>11/11/2018</a:t>
             </a:fld>
             <a:endParaRPr lang="en-SG"/>
           </a:p>
@@ -1151,7 +1147,7 @@
           <a:p>
             <a:fld id="{03EC4E3E-8101-482F-A883-8B55DAFF7C07}" type="datetimeFigureOut">
               <a:rPr lang="en-SG" smtClean="0"/>
-              <a:t>6/7/2018</a:t>
+              <a:t>11/11/2018</a:t>
             </a:fld>
             <a:endParaRPr lang="en-SG"/>
           </a:p>
@@ -1419,7 +1415,7 @@
           <a:p>
             <a:fld id="{03EC4E3E-8101-482F-A883-8B55DAFF7C07}" type="datetimeFigureOut">
               <a:rPr lang="en-SG" smtClean="0"/>
-              <a:t>6/7/2018</a:t>
+              <a:t>11/11/2018</a:t>
             </a:fld>
             <a:endParaRPr lang="en-SG"/>
           </a:p>
@@ -1834,7 +1830,7 @@
           <a:p>
             <a:fld id="{03EC4E3E-8101-482F-A883-8B55DAFF7C07}" type="datetimeFigureOut">
               <a:rPr lang="en-SG" smtClean="0"/>
-              <a:t>6/7/2018</a:t>
+              <a:t>11/11/2018</a:t>
             </a:fld>
             <a:endParaRPr lang="en-SG"/>
           </a:p>
@@ -1976,7 +1972,7 @@
           <a:p>
             <a:fld id="{03EC4E3E-8101-482F-A883-8B55DAFF7C07}" type="datetimeFigureOut">
               <a:rPr lang="en-SG" smtClean="0"/>
-              <a:t>6/7/2018</a:t>
+              <a:t>11/11/2018</a:t>
             </a:fld>
             <a:endParaRPr lang="en-SG"/>
           </a:p>
@@ -2089,7 +2085,7 @@
           <a:p>
             <a:fld id="{03EC4E3E-8101-482F-A883-8B55DAFF7C07}" type="datetimeFigureOut">
               <a:rPr lang="en-SG" smtClean="0"/>
-              <a:t>6/7/2018</a:t>
+              <a:t>11/11/2018</a:t>
             </a:fld>
             <a:endParaRPr lang="en-SG"/>
           </a:p>
@@ -2402,7 +2398,7 @@
           <a:p>
             <a:fld id="{03EC4E3E-8101-482F-A883-8B55DAFF7C07}" type="datetimeFigureOut">
               <a:rPr lang="en-SG" smtClean="0"/>
-              <a:t>6/7/2018</a:t>
+              <a:t>11/11/2018</a:t>
             </a:fld>
             <a:endParaRPr lang="en-SG"/>
           </a:p>
@@ -2691,7 +2687,7 @@
           <a:p>
             <a:fld id="{03EC4E3E-8101-482F-A883-8B55DAFF7C07}" type="datetimeFigureOut">
               <a:rPr lang="en-SG" smtClean="0"/>
-              <a:t>6/7/2018</a:t>
+              <a:t>11/11/2018</a:t>
             </a:fld>
             <a:endParaRPr lang="en-SG"/>
           </a:p>
@@ -2934,7 +2930,7 @@
           <a:p>
             <a:fld id="{03EC4E3E-8101-482F-A883-8B55DAFF7C07}" type="datetimeFigureOut">
               <a:rPr lang="en-SG" smtClean="0"/>
-              <a:t>6/7/2018</a:t>
+              <a:t>11/11/2018</a:t>
             </a:fld>
             <a:endParaRPr lang="en-SG"/>
           </a:p>
@@ -3359,8 +3355,8 @@
         </p:nvSpPr>
         <p:spPr>
           <a:xfrm>
-            <a:off x="5129284" y="2264095"/>
-            <a:ext cx="1933431" cy="1383977"/>
+            <a:off x="4911605" y="2219381"/>
+            <a:ext cx="2368790" cy="1383977"/>
           </a:xfrm>
           <a:prstGeom prst="downArrow">
             <a:avLst/>
@@ -3389,7 +3385,15 @@
             <a:pPr algn="ctr"/>
             <a:r>
               <a:rPr lang="en-SG" dirty="0"/>
-              <a:t>Add n/David… </a:t>
+              <a:t>add-item n/</a:t>
+            </a:r>
+            <a:r>
+              <a:rPr lang="en-SG" dirty="0" err="1"/>
+              <a:t>Iphone</a:t>
+            </a:r>
+            <a:r>
+              <a:rPr lang="en-SG" dirty="0"/>
+              <a:t>… </a:t>
             </a:r>
             <a:endParaRPr lang="en-US" dirty="0"/>
           </a:p>
@@ -3397,10 +3401,10 @@
       </p:sp>
       <p:sp>
         <p:nvSpPr>
-          <p:cNvPr id="24" name="TextBox 23">
-            <a:extLst>
-              <a:ext uri="{FF2B5EF4-FFF2-40B4-BE49-F238E27FC236}">
-                <a16:creationId xmlns:a16="http://schemas.microsoft.com/office/drawing/2014/main" id="{3151A13B-9509-43FA-BFEB-1D9866A00B84}"/>
+          <p:cNvPr id="20" name="TextBox 18">
+            <a:extLst>
+              <a:ext uri="{FF2B5EF4-FFF2-40B4-BE49-F238E27FC236}">
+                <a16:creationId xmlns:a16="http://schemas.microsoft.com/office/drawing/2014/main" id="{40326A80-DC44-4873-8E19-45FB22550CF5}"/>
               </a:ext>
             </a:extLst>
           </p:cNvPr>
@@ -3409,7 +3413,7 @@
         </p:nvSpPr>
         <p:spPr>
           <a:xfrm>
-            <a:off x="1836612" y="2726030"/>
+            <a:off x="1558638" y="2829650"/>
             <a:ext cx="3207000" cy="369332"/>
           </a:xfrm>
           <a:prstGeom prst="rect">
@@ -3439,173 +3443,21 @@
           </a:p>
         </p:txBody>
       </p:sp>
-      <p:graphicFrame>
-        <p:nvGraphicFramePr>
-          <p:cNvPr id="25" name="Table 24">
-            <a:extLst>
-              <a:ext uri="{FF2B5EF4-FFF2-40B4-BE49-F238E27FC236}">
-                <a16:creationId xmlns:a16="http://schemas.microsoft.com/office/drawing/2014/main" id="{F545FAB8-F1CE-4886-9BDE-E772BCB0A9C4}"/>
-              </a:ext>
-            </a:extLst>
-          </p:cNvPr>
-          <p:cNvGraphicFramePr>
-            <a:graphicFrameLocks noGrp="1"/>
-          </p:cNvGraphicFramePr>
-          <p:nvPr>
-            <p:extLst>
-              <p:ext uri="{D42A27DB-BD31-4B8C-83A1-F6EECF244321}">
-                <p14:modId xmlns:p14="http://schemas.microsoft.com/office/powerpoint/2010/main" val="3571951523"/>
-              </p:ext>
-            </p:extLst>
-          </p:nvPr>
-        </p:nvGraphicFramePr>
-        <p:xfrm>
-          <a:off x="473240" y="1476102"/>
-          <a:ext cx="1825824" cy="417888"/>
-        </p:xfrm>
-        <a:graphic>
-          <a:graphicData uri="http://schemas.openxmlformats.org/drawingml/2006/table">
-            <a:tbl>
-              <a:tblPr>
-                <a:tableStyleId>{638B1855-1B75-4FBE-930C-398BA8C253C6}</a:tableStyleId>
-              </a:tblPr>
-              <a:tblGrid>
-                <a:gridCol w="1825824">
-                  <a:extLst>
-                    <a:ext uri="{9D8B030D-6E8A-4147-A177-3AD203B41FA5}">
-                      <a16:colId xmlns:a16="http://schemas.microsoft.com/office/drawing/2014/main" val="4240773277"/>
-                    </a:ext>
-                  </a:extLst>
-                </a:gridCol>
-              </a:tblGrid>
-              <a:tr h="417888">
-                <a:tc>
-                  <a:txBody>
-                    <a:bodyPr/>
-                    <a:lstStyle/>
-                    <a:p>
-                      <a:r>
-                        <a:rPr lang="en-SG" u="sng" dirty="0"/>
-                        <a:t>ab0:A</a:t>
-                      </a:r>
-                      <a:r>
-                        <a:rPr lang="en-SG" sz="1800" u="sng" dirty="0"/>
-                        <a:t>ddressBook</a:t>
-                      </a:r>
-                      <a:endParaRPr lang="en-SG" sz="1600" u="sng" dirty="0"/>
-                    </a:p>
-                  </a:txBody>
-                  <a:tcPr/>
-                </a:tc>
-                <a:extLst>
-                  <a:ext uri="{0D108BD9-81ED-4DB2-BD59-A6C34878D82A}">
-                    <a16:rowId xmlns:a16="http://schemas.microsoft.com/office/drawing/2014/main" val="2194462629"/>
-                  </a:ext>
-                </a:extLst>
-              </a:tr>
-            </a:tbl>
-          </a:graphicData>
-        </a:graphic>
-      </p:graphicFrame>
-      <p:sp>
-        <p:nvSpPr>
-          <p:cNvPr id="29" name="Rectangle 28"/>
+      <p:sp>
+        <p:nvSpPr>
+          <p:cNvPr id="21" name="Rectangle 26">
+            <a:extLst>
+              <a:ext uri="{FF2B5EF4-FFF2-40B4-BE49-F238E27FC236}">
+                <a16:creationId xmlns:a16="http://schemas.microsoft.com/office/drawing/2014/main" id="{12B6C8EB-FE76-41E0-9E21-840D61513BAD}"/>
+              </a:ext>
+            </a:extLst>
+          </p:cNvPr>
           <p:cNvSpPr/>
           <p:nvPr/>
         </p:nvSpPr>
         <p:spPr>
           <a:xfrm>
-            <a:off x="364797" y="1375953"/>
-            <a:ext cx="11364686" cy="618187"/>
-          </a:xfrm>
-          <a:prstGeom prst="rect">
-            <a:avLst/>
-          </a:prstGeom>
-          <a:noFill/>
-          <a:ln>
-            <a:solidFill>
-              <a:schemeClr val="tx1"/>
-            </a:solidFill>
-          </a:ln>
-        </p:spPr>
-        <p:style>
-          <a:lnRef idx="2">
-            <a:schemeClr val="accent1">
-              <a:shade val="50000"/>
-            </a:schemeClr>
-          </a:lnRef>
-          <a:fillRef idx="1">
-            <a:schemeClr val="accent1"/>
-          </a:fillRef>
-          <a:effectRef idx="0">
-            <a:schemeClr val="accent1"/>
-          </a:effectRef>
-          <a:fontRef idx="minor">
-            <a:schemeClr val="lt1"/>
-          </a:fontRef>
-        </p:style>
-        <p:txBody>
-          <a:bodyPr rtlCol="0" anchor="ctr"/>
-          <a:lstStyle/>
-          <a:p>
-            <a:pPr algn="ctr"/>
-            <a:endParaRPr lang="en-US"/>
-          </a:p>
-        </p:txBody>
-      </p:sp>
-      <p:sp>
-        <p:nvSpPr>
-          <p:cNvPr id="30" name="TextBox 29">
-            <a:extLst>
-              <a:ext uri="{FF2B5EF4-FFF2-40B4-BE49-F238E27FC236}">
-                <a16:creationId xmlns:a16="http://schemas.microsoft.com/office/drawing/2014/main" id="{3151A13B-9509-43FA-BFEB-1D9866A00B84}"/>
-              </a:ext>
-            </a:extLst>
-          </p:cNvPr>
-          <p:cNvSpPr txBox="1"/>
-          <p:nvPr/>
-        </p:nvSpPr>
-        <p:spPr>
-          <a:xfrm>
-            <a:off x="3894137" y="5123174"/>
-            <a:ext cx="3207000" cy="369332"/>
-          </a:xfrm>
-          <a:prstGeom prst="rect">
-            <a:avLst/>
-          </a:prstGeom>
-          <a:noFill/>
-        </p:spPr>
-        <p:txBody>
-          <a:bodyPr wrap="square" rtlCol="0">
-            <a:spAutoFit/>
-          </a:bodyPr>
-          <a:lstStyle/>
-          <a:p>
-            <a:pPr algn="ctr"/>
-            <a:r>
-              <a:rPr lang="en-SG" dirty="0" err="1">
-                <a:latin typeface="Consolas" panose="020B0609020204030204" pitchFamily="49" charset="0"/>
-              </a:rPr>
-              <a:t>currentStatePointer</a:t>
-            </a:r>
-            <a:r>
-              <a:rPr lang="en-SG" dirty="0">
-                <a:latin typeface="Consolas" panose="020B0609020204030204" pitchFamily="49" charset="0"/>
-              </a:rPr>
-              <a:t> = 2</a:t>
-            </a:r>
-          </a:p>
-        </p:txBody>
-      </p:sp>
-      <p:sp>
-        <p:nvSpPr>
-          <p:cNvPr id="33" name="Rectangle 32"/>
-          <p:cNvSpPr/>
-          <p:nvPr/>
-        </p:nvSpPr>
-        <p:spPr>
-          <a:xfrm>
-            <a:off x="387404" y="3838574"/>
+            <a:off x="387404" y="1422643"/>
             <a:ext cx="11364686" cy="593918"/>
           </a:xfrm>
           <a:prstGeom prst="rect">
@@ -3643,284 +3495,12 @@
           </a:p>
         </p:txBody>
       </p:sp>
-      <p:graphicFrame>
-        <p:nvGraphicFramePr>
-          <p:cNvPr id="15" name="Table 14">
-            <a:extLst>
-              <a:ext uri="{FF2B5EF4-FFF2-40B4-BE49-F238E27FC236}">
-                <a16:creationId xmlns:a16="http://schemas.microsoft.com/office/drawing/2014/main" id="{F545FAB8-F1CE-4886-9BDE-E772BCB0A9C4}"/>
-              </a:ext>
-            </a:extLst>
-          </p:cNvPr>
-          <p:cNvGraphicFramePr>
-            <a:graphicFrameLocks noGrp="1"/>
-          </p:cNvGraphicFramePr>
-          <p:nvPr>
-            <p:extLst>
-              <p:ext uri="{D42A27DB-BD31-4B8C-83A1-F6EECF244321}">
-                <p14:modId xmlns:p14="http://schemas.microsoft.com/office/powerpoint/2010/main" val="2341913009"/>
-              </p:ext>
-            </p:extLst>
-          </p:nvPr>
-        </p:nvGraphicFramePr>
-        <p:xfrm>
-          <a:off x="2491232" y="1476102"/>
-          <a:ext cx="1825824" cy="417888"/>
-        </p:xfrm>
-        <a:graphic>
-          <a:graphicData uri="http://schemas.openxmlformats.org/drawingml/2006/table">
-            <a:tbl>
-              <a:tblPr>
-                <a:tableStyleId>{638B1855-1B75-4FBE-930C-398BA8C253C6}</a:tableStyleId>
-              </a:tblPr>
-              <a:tblGrid>
-                <a:gridCol w="1825824">
-                  <a:extLst>
-                    <a:ext uri="{9D8B030D-6E8A-4147-A177-3AD203B41FA5}">
-                      <a16:colId xmlns:a16="http://schemas.microsoft.com/office/drawing/2014/main" val="4240773277"/>
-                    </a:ext>
-                  </a:extLst>
-                </a:gridCol>
-              </a:tblGrid>
-              <a:tr h="417888">
-                <a:tc>
-                  <a:txBody>
-                    <a:bodyPr/>
-                    <a:lstStyle/>
-                    <a:p>
-                      <a:r>
-                        <a:rPr lang="en-SG" u="sng" dirty="0"/>
-                        <a:t>ab1:A</a:t>
-                      </a:r>
-                      <a:r>
-                        <a:rPr lang="en-SG" sz="1800" u="sng" dirty="0"/>
-                        <a:t>ddressBook</a:t>
-                      </a:r>
-                      <a:endParaRPr lang="en-SG" sz="1600" u="sng" dirty="0"/>
-                    </a:p>
-                  </a:txBody>
-                  <a:tcPr/>
-                </a:tc>
-                <a:extLst>
-                  <a:ext uri="{0D108BD9-81ED-4DB2-BD59-A6C34878D82A}">
-                    <a16:rowId xmlns:a16="http://schemas.microsoft.com/office/drawing/2014/main" val="2194462629"/>
-                  </a:ext>
-                </a:extLst>
-              </a:tr>
-            </a:tbl>
-          </a:graphicData>
-        </a:graphic>
-      </p:graphicFrame>
-      <p:graphicFrame>
-        <p:nvGraphicFramePr>
-          <p:cNvPr id="16" name="Table 15">
-            <a:extLst>
-              <a:ext uri="{FF2B5EF4-FFF2-40B4-BE49-F238E27FC236}">
-                <a16:creationId xmlns:a16="http://schemas.microsoft.com/office/drawing/2014/main" id="{F545FAB8-F1CE-4886-9BDE-E772BCB0A9C4}"/>
-              </a:ext>
-            </a:extLst>
-          </p:cNvPr>
-          <p:cNvGraphicFramePr>
-            <a:graphicFrameLocks noGrp="1"/>
-          </p:cNvGraphicFramePr>
-          <p:nvPr>
-            <p:extLst>
-              <p:ext uri="{D42A27DB-BD31-4B8C-83A1-F6EECF244321}">
-                <p14:modId xmlns:p14="http://schemas.microsoft.com/office/powerpoint/2010/main" val="2172716932"/>
-              </p:ext>
-            </p:extLst>
-          </p:nvPr>
-        </p:nvGraphicFramePr>
-        <p:xfrm>
-          <a:off x="4509224" y="3926589"/>
-          <a:ext cx="1825824" cy="417888"/>
-        </p:xfrm>
-        <a:graphic>
-          <a:graphicData uri="http://schemas.openxmlformats.org/drawingml/2006/table">
-            <a:tbl>
-              <a:tblPr>
-                <a:tableStyleId>{638B1855-1B75-4FBE-930C-398BA8C253C6}</a:tableStyleId>
-              </a:tblPr>
-              <a:tblGrid>
-                <a:gridCol w="1825824">
-                  <a:extLst>
-                    <a:ext uri="{9D8B030D-6E8A-4147-A177-3AD203B41FA5}">
-                      <a16:colId xmlns:a16="http://schemas.microsoft.com/office/drawing/2014/main" val="4240773277"/>
-                    </a:ext>
-                  </a:extLst>
-                </a:gridCol>
-              </a:tblGrid>
-              <a:tr h="417888">
-                <a:tc>
-                  <a:txBody>
-                    <a:bodyPr/>
-                    <a:lstStyle/>
-                    <a:p>
-                      <a:r>
-                        <a:rPr lang="en-SG" u="sng"/>
-                        <a:t>ab2:A</a:t>
-                      </a:r>
-                      <a:r>
-                        <a:rPr lang="en-SG" sz="1800" u="sng"/>
-                        <a:t>ddressBook</a:t>
-                      </a:r>
-                      <a:endParaRPr lang="en-SG" sz="1600" u="sng" dirty="0"/>
-                    </a:p>
-                  </a:txBody>
-                  <a:tcPr/>
-                </a:tc>
-                <a:extLst>
-                  <a:ext uri="{0D108BD9-81ED-4DB2-BD59-A6C34878D82A}">
-                    <a16:rowId xmlns:a16="http://schemas.microsoft.com/office/drawing/2014/main" val="2194462629"/>
-                  </a:ext>
-                </a:extLst>
-              </a:tr>
-            </a:tbl>
-          </a:graphicData>
-        </a:graphic>
-      </p:graphicFrame>
-      <p:graphicFrame>
-        <p:nvGraphicFramePr>
-          <p:cNvPr id="17" name="Table 16">
-            <a:extLst>
-              <a:ext uri="{FF2B5EF4-FFF2-40B4-BE49-F238E27FC236}">
-                <a16:creationId xmlns:a16="http://schemas.microsoft.com/office/drawing/2014/main" id="{F545FAB8-F1CE-4886-9BDE-E772BCB0A9C4}"/>
-              </a:ext>
-            </a:extLst>
-          </p:cNvPr>
-          <p:cNvGraphicFramePr>
-            <a:graphicFrameLocks noGrp="1"/>
-          </p:cNvGraphicFramePr>
-          <p:nvPr>
-            <p:extLst>
-              <p:ext uri="{D42A27DB-BD31-4B8C-83A1-F6EECF244321}">
-                <p14:modId xmlns:p14="http://schemas.microsoft.com/office/powerpoint/2010/main" val="4094059841"/>
-              </p:ext>
-            </p:extLst>
-          </p:nvPr>
-        </p:nvGraphicFramePr>
-        <p:xfrm>
-          <a:off x="2491232" y="3908450"/>
-          <a:ext cx="1825824" cy="417888"/>
-        </p:xfrm>
-        <a:graphic>
-          <a:graphicData uri="http://schemas.openxmlformats.org/drawingml/2006/table">
-            <a:tbl>
-              <a:tblPr>
-                <a:tableStyleId>{638B1855-1B75-4FBE-930C-398BA8C253C6}</a:tableStyleId>
-              </a:tblPr>
-              <a:tblGrid>
-                <a:gridCol w="1825824">
-                  <a:extLst>
-                    <a:ext uri="{9D8B030D-6E8A-4147-A177-3AD203B41FA5}">
-                      <a16:colId xmlns:a16="http://schemas.microsoft.com/office/drawing/2014/main" val="4240773277"/>
-                    </a:ext>
-                  </a:extLst>
-                </a:gridCol>
-              </a:tblGrid>
-              <a:tr h="417888">
-                <a:tc>
-                  <a:txBody>
-                    <a:bodyPr/>
-                    <a:lstStyle/>
-                    <a:p>
-                      <a:r>
-                        <a:rPr lang="en-SG" u="sng" dirty="0"/>
-                        <a:t>ab1:A</a:t>
-                      </a:r>
-                      <a:r>
-                        <a:rPr lang="en-SG" sz="1800" u="sng" dirty="0"/>
-                        <a:t>ddressBook</a:t>
-                      </a:r>
-                      <a:endParaRPr lang="en-SG" sz="1600" u="sng" dirty="0"/>
-                    </a:p>
-                  </a:txBody>
-                  <a:tcPr/>
-                </a:tc>
-                <a:extLst>
-                  <a:ext uri="{0D108BD9-81ED-4DB2-BD59-A6C34878D82A}">
-                    <a16:rowId xmlns:a16="http://schemas.microsoft.com/office/drawing/2014/main" val="2194462629"/>
-                  </a:ext>
-                </a:extLst>
-              </a:tr>
-            </a:tbl>
-          </a:graphicData>
-        </a:graphic>
-      </p:graphicFrame>
-      <p:graphicFrame>
-        <p:nvGraphicFramePr>
-          <p:cNvPr id="18" name="Table 17">
-            <a:extLst>
-              <a:ext uri="{FF2B5EF4-FFF2-40B4-BE49-F238E27FC236}">
-                <a16:creationId xmlns:a16="http://schemas.microsoft.com/office/drawing/2014/main" id="{F545FAB8-F1CE-4886-9BDE-E772BCB0A9C4}"/>
-              </a:ext>
-            </a:extLst>
-          </p:cNvPr>
-          <p:cNvGraphicFramePr>
-            <a:graphicFrameLocks noGrp="1"/>
-          </p:cNvGraphicFramePr>
-          <p:nvPr>
-            <p:extLst>
-              <p:ext uri="{D42A27DB-BD31-4B8C-83A1-F6EECF244321}">
-                <p14:modId xmlns:p14="http://schemas.microsoft.com/office/powerpoint/2010/main" val="3467820198"/>
-              </p:ext>
-            </p:extLst>
-          </p:nvPr>
-        </p:nvGraphicFramePr>
-        <p:xfrm>
-          <a:off x="473240" y="3908450"/>
-          <a:ext cx="1825824" cy="417888"/>
-        </p:xfrm>
-        <a:graphic>
-          <a:graphicData uri="http://schemas.openxmlformats.org/drawingml/2006/table">
-            <a:tbl>
-              <a:tblPr>
-                <a:tableStyleId>{638B1855-1B75-4FBE-930C-398BA8C253C6}</a:tableStyleId>
-              </a:tblPr>
-              <a:tblGrid>
-                <a:gridCol w="1825824">
-                  <a:extLst>
-                    <a:ext uri="{9D8B030D-6E8A-4147-A177-3AD203B41FA5}">
-                      <a16:colId xmlns:a16="http://schemas.microsoft.com/office/drawing/2014/main" val="4240773277"/>
-                    </a:ext>
-                  </a:extLst>
-                </a:gridCol>
-              </a:tblGrid>
-              <a:tr h="417888">
-                <a:tc>
-                  <a:txBody>
-                    <a:bodyPr/>
-                    <a:lstStyle/>
-                    <a:p>
-                      <a:r>
-                        <a:rPr lang="en-SG" u="sng" dirty="0"/>
-                        <a:t>ab0:A</a:t>
-                      </a:r>
-                      <a:r>
-                        <a:rPr lang="en-SG" sz="1800" u="sng" dirty="0"/>
-                        <a:t>ddressBook</a:t>
-                      </a:r>
-                      <a:endParaRPr lang="en-SG" sz="1600" u="sng" dirty="0"/>
-                    </a:p>
-                  </a:txBody>
-                  <a:tcPr/>
-                </a:tc>
-                <a:extLst>
-                  <a:ext uri="{0D108BD9-81ED-4DB2-BD59-A6C34878D82A}">
-                    <a16:rowId xmlns:a16="http://schemas.microsoft.com/office/drawing/2014/main" val="2194462629"/>
-                  </a:ext>
-                </a:extLst>
-              </a:tr>
-            </a:tbl>
-          </a:graphicData>
-        </a:graphic>
-      </p:graphicFrame>
       <p:cxnSp>
         <p:nvCxnSpPr>
-          <p:cNvPr id="14" name="Straight Arrow Connector 13">
-            <a:extLst>
-              <a:ext uri="{FF2B5EF4-FFF2-40B4-BE49-F238E27FC236}">
-                <a16:creationId xmlns:a16="http://schemas.microsoft.com/office/drawing/2014/main" id="{DE6F144C-EC66-46E7-97DC-BB839A1578F5}"/>
+          <p:cNvPr id="22" name="Straight Arrow Connector 15">
+            <a:extLst>
+              <a:ext uri="{FF2B5EF4-FFF2-40B4-BE49-F238E27FC236}">
+                <a16:creationId xmlns:a16="http://schemas.microsoft.com/office/drawing/2014/main" id="{313489CC-6240-4553-926C-59C51734DF8F}"/>
               </a:ext>
             </a:extLst>
           </p:cNvPr>
@@ -3931,7 +3511,7 @@
         </p:nvCxnSpPr>
         <p:spPr>
           <a:xfrm flipV="1">
-            <a:off x="3380763" y="2019157"/>
+            <a:off x="2980776" y="2122777"/>
             <a:ext cx="0" cy="706873"/>
           </a:xfrm>
           <a:prstGeom prst="straightConnector1">
@@ -3959,12 +3539,256 @@
           </a:fontRef>
         </p:style>
       </p:cxnSp>
+      <p:graphicFrame>
+        <p:nvGraphicFramePr>
+          <p:cNvPr id="23" name="Table 4">
+            <a:extLst>
+              <a:ext uri="{FF2B5EF4-FFF2-40B4-BE49-F238E27FC236}">
+                <a16:creationId xmlns:a16="http://schemas.microsoft.com/office/drawing/2014/main" id="{7E4283A6-C4AA-4C0E-B008-FDD67286A128}"/>
+              </a:ext>
+            </a:extLst>
+          </p:cNvPr>
+          <p:cNvGraphicFramePr>
+            <a:graphicFrameLocks noGrp="1"/>
+          </p:cNvGraphicFramePr>
+          <p:nvPr>
+            <p:extLst>
+              <p:ext uri="{D42A27DB-BD31-4B8C-83A1-F6EECF244321}">
+                <p14:modId xmlns:p14="http://schemas.microsoft.com/office/powerpoint/2010/main" val="434420876"/>
+              </p:ext>
+            </p:extLst>
+          </p:nvPr>
+        </p:nvGraphicFramePr>
+        <p:xfrm>
+          <a:off x="470949" y="1531545"/>
+          <a:ext cx="1528154" cy="365760"/>
+        </p:xfrm>
+        <a:graphic>
+          <a:graphicData uri="http://schemas.openxmlformats.org/drawingml/2006/table">
+            <a:tbl>
+              <a:tblPr>
+                <a:tableStyleId>{638B1855-1B75-4FBE-930C-398BA8C253C6}</a:tableStyleId>
+              </a:tblPr>
+              <a:tblGrid>
+                <a:gridCol w="1528154">
+                  <a:extLst>
+                    <a:ext uri="{9D8B030D-6E8A-4147-A177-3AD203B41FA5}">
+                      <a16:colId xmlns:a16="http://schemas.microsoft.com/office/drawing/2014/main" val="4240773277"/>
+                    </a:ext>
+                  </a:extLst>
+                </a:gridCol>
+              </a:tblGrid>
+              <a:tr h="0">
+                <a:tc>
+                  <a:txBody>
+                    <a:bodyPr/>
+                    <a:lstStyle/>
+                    <a:p>
+                      <a:r>
+                        <a:rPr lang="en-US" altLang="zh-CN" u="sng" dirty="0" err="1"/>
+                        <a:t>im</a:t>
+                      </a:r>
+                      <a:r>
+                        <a:rPr lang="en-SG" u="sng" dirty="0"/>
+                        <a:t>0:</a:t>
+                      </a:r>
+                      <a:r>
+                        <a:rPr lang="en-SG" sz="1800" u="sng" dirty="0"/>
+                        <a:t>Inventory</a:t>
+                      </a:r>
+                      <a:endParaRPr lang="en-SG" sz="1600" u="sng" dirty="0"/>
+                    </a:p>
+                  </a:txBody>
+                  <a:tcPr/>
+                </a:tc>
+                <a:extLst>
+                  <a:ext uri="{0D108BD9-81ED-4DB2-BD59-A6C34878D82A}">
+                    <a16:rowId xmlns:a16="http://schemas.microsoft.com/office/drawing/2014/main" val="2194462629"/>
+                  </a:ext>
+                </a:extLst>
+              </a:tr>
+            </a:tbl>
+          </a:graphicData>
+        </a:graphic>
+      </p:graphicFrame>
+      <p:graphicFrame>
+        <p:nvGraphicFramePr>
+          <p:cNvPr id="26" name="Table 4">
+            <a:extLst>
+              <a:ext uri="{FF2B5EF4-FFF2-40B4-BE49-F238E27FC236}">
+                <a16:creationId xmlns:a16="http://schemas.microsoft.com/office/drawing/2014/main" id="{00877DD8-C5AA-474F-8415-3FEB97FE20D2}"/>
+              </a:ext>
+            </a:extLst>
+          </p:cNvPr>
+          <p:cNvGraphicFramePr>
+            <a:graphicFrameLocks noGrp="1"/>
+          </p:cNvGraphicFramePr>
+          <p:nvPr>
+            <p:extLst>
+              <p:ext uri="{D42A27DB-BD31-4B8C-83A1-F6EECF244321}">
+                <p14:modId xmlns:p14="http://schemas.microsoft.com/office/powerpoint/2010/main" val="1833913608"/>
+              </p:ext>
+            </p:extLst>
+          </p:nvPr>
+        </p:nvGraphicFramePr>
+        <p:xfrm>
+          <a:off x="2123671" y="1541901"/>
+          <a:ext cx="1528154" cy="365760"/>
+        </p:xfrm>
+        <a:graphic>
+          <a:graphicData uri="http://schemas.openxmlformats.org/drawingml/2006/table">
+            <a:tbl>
+              <a:tblPr>
+                <a:tableStyleId>{638B1855-1B75-4FBE-930C-398BA8C253C6}</a:tableStyleId>
+              </a:tblPr>
+              <a:tblGrid>
+                <a:gridCol w="1528154">
+                  <a:extLst>
+                    <a:ext uri="{9D8B030D-6E8A-4147-A177-3AD203B41FA5}">
+                      <a16:colId xmlns:a16="http://schemas.microsoft.com/office/drawing/2014/main" val="4240773277"/>
+                    </a:ext>
+                  </a:extLst>
+                </a:gridCol>
+              </a:tblGrid>
+              <a:tr h="0">
+                <a:tc>
+                  <a:txBody>
+                    <a:bodyPr/>
+                    <a:lstStyle/>
+                    <a:p>
+                      <a:r>
+                        <a:rPr lang="en-US" altLang="zh-CN" u="sng" dirty="0" err="1"/>
+                        <a:t>im</a:t>
+                      </a:r>
+                      <a:r>
+                        <a:rPr lang="en-SG" altLang="zh-CN" u="sng" dirty="0"/>
+                        <a:t>1</a:t>
+                      </a:r>
+                      <a:r>
+                        <a:rPr lang="en-SG" u="sng" dirty="0"/>
+                        <a:t>:</a:t>
+                      </a:r>
+                      <a:r>
+                        <a:rPr lang="en-SG" sz="1800" u="sng" dirty="0"/>
+                        <a:t>Inventory</a:t>
+                      </a:r>
+                      <a:endParaRPr lang="en-SG" sz="1600" u="sng" dirty="0"/>
+                    </a:p>
+                  </a:txBody>
+                  <a:tcPr/>
+                </a:tc>
+                <a:extLst>
+                  <a:ext uri="{0D108BD9-81ED-4DB2-BD59-A6C34878D82A}">
+                    <a16:rowId xmlns:a16="http://schemas.microsoft.com/office/drawing/2014/main" val="2194462629"/>
+                  </a:ext>
+                </a:extLst>
+              </a:tr>
+            </a:tbl>
+          </a:graphicData>
+        </a:graphic>
+      </p:graphicFrame>
+      <p:sp>
+        <p:nvSpPr>
+          <p:cNvPr id="27" name="TextBox 18">
+            <a:extLst>
+              <a:ext uri="{FF2B5EF4-FFF2-40B4-BE49-F238E27FC236}">
+                <a16:creationId xmlns:a16="http://schemas.microsoft.com/office/drawing/2014/main" id="{99249F46-CE44-4EAA-90A7-C29811C43BDE}"/>
+              </a:ext>
+            </a:extLst>
+          </p:cNvPr>
+          <p:cNvSpPr txBox="1"/>
+          <p:nvPr/>
+        </p:nvSpPr>
+        <p:spPr>
+          <a:xfrm>
+            <a:off x="3146646" y="5213186"/>
+            <a:ext cx="3207000" cy="369332"/>
+          </a:xfrm>
+          <a:prstGeom prst="rect">
+            <a:avLst/>
+          </a:prstGeom>
+          <a:noFill/>
+        </p:spPr>
+        <p:txBody>
+          <a:bodyPr wrap="square" rtlCol="0">
+            <a:spAutoFit/>
+          </a:bodyPr>
+          <a:lstStyle/>
+          <a:p>
+            <a:pPr algn="ctr"/>
+            <a:r>
+              <a:rPr lang="en-SG" dirty="0" err="1">
+                <a:latin typeface="Consolas" panose="020B0609020204030204" pitchFamily="49" charset="0"/>
+              </a:rPr>
+              <a:t>currentStatePointer</a:t>
+            </a:r>
+            <a:r>
+              <a:rPr lang="en-SG" dirty="0">
+                <a:latin typeface="Consolas" panose="020B0609020204030204" pitchFamily="49" charset="0"/>
+              </a:rPr>
+              <a:t> = 2</a:t>
+            </a:r>
+          </a:p>
+        </p:txBody>
+      </p:sp>
+      <p:sp>
+        <p:nvSpPr>
+          <p:cNvPr id="28" name="Rectangle 26">
+            <a:extLst>
+              <a:ext uri="{FF2B5EF4-FFF2-40B4-BE49-F238E27FC236}">
+                <a16:creationId xmlns:a16="http://schemas.microsoft.com/office/drawing/2014/main" id="{3946063B-FE41-472B-95BA-3C819FC7F192}"/>
+              </a:ext>
+            </a:extLst>
+          </p:cNvPr>
+          <p:cNvSpPr/>
+          <p:nvPr/>
+        </p:nvSpPr>
+        <p:spPr>
+          <a:xfrm>
+            <a:off x="384356" y="3806179"/>
+            <a:ext cx="11364686" cy="593918"/>
+          </a:xfrm>
+          <a:prstGeom prst="rect">
+            <a:avLst/>
+          </a:prstGeom>
+          <a:noFill/>
+          <a:ln>
+            <a:solidFill>
+              <a:schemeClr val="tx1"/>
+            </a:solidFill>
+          </a:ln>
+        </p:spPr>
+        <p:style>
+          <a:lnRef idx="2">
+            <a:schemeClr val="accent1">
+              <a:shade val="50000"/>
+            </a:schemeClr>
+          </a:lnRef>
+          <a:fillRef idx="1">
+            <a:schemeClr val="accent1"/>
+          </a:fillRef>
+          <a:effectRef idx="0">
+            <a:schemeClr val="accent1"/>
+          </a:effectRef>
+          <a:fontRef idx="minor">
+            <a:schemeClr val="lt1"/>
+          </a:fontRef>
+        </p:style>
+        <p:txBody>
+          <a:bodyPr rtlCol="0" anchor="ctr"/>
+          <a:lstStyle/>
+          <a:p>
+            <a:pPr algn="ctr"/>
+            <a:endParaRPr lang="en-US"/>
+          </a:p>
+        </p:txBody>
+      </p:sp>
       <p:cxnSp>
         <p:nvCxnSpPr>
-          <p:cNvPr id="19" name="Straight Arrow Connector 18">
-            <a:extLst>
-              <a:ext uri="{FF2B5EF4-FFF2-40B4-BE49-F238E27FC236}">
-                <a16:creationId xmlns:a16="http://schemas.microsoft.com/office/drawing/2014/main" id="{8B2AD13C-14D7-4ED9-AAC9-B4BBD707577B}"/>
+          <p:cNvPr id="31" name="Straight Arrow Connector 15">
+            <a:extLst>
+              <a:ext uri="{FF2B5EF4-FFF2-40B4-BE49-F238E27FC236}">
+                <a16:creationId xmlns:a16="http://schemas.microsoft.com/office/drawing/2014/main" id="{EDF94104-E9A9-4454-9AC1-1E5909E2144F}"/>
               </a:ext>
             </a:extLst>
           </p:cNvPr>
@@ -3975,7 +3799,7 @@
         </p:nvCxnSpPr>
         <p:spPr>
           <a:xfrm flipV="1">
-            <a:off x="5497637" y="4432492"/>
+            <a:off x="4568784" y="4506313"/>
             <a:ext cx="0" cy="706873"/>
           </a:xfrm>
           <a:prstGeom prst="straightConnector1">
@@ -4003,6 +3827,230 @@
           </a:fontRef>
         </p:style>
       </p:cxnSp>
+      <p:graphicFrame>
+        <p:nvGraphicFramePr>
+          <p:cNvPr id="32" name="Table 4">
+            <a:extLst>
+              <a:ext uri="{FF2B5EF4-FFF2-40B4-BE49-F238E27FC236}">
+                <a16:creationId xmlns:a16="http://schemas.microsoft.com/office/drawing/2014/main" id="{1FC3119B-6944-4BE8-9153-DBC4E974732A}"/>
+              </a:ext>
+            </a:extLst>
+          </p:cNvPr>
+          <p:cNvGraphicFramePr>
+            <a:graphicFrameLocks noGrp="1"/>
+          </p:cNvGraphicFramePr>
+          <p:nvPr>
+            <p:extLst>
+              <p:ext uri="{D42A27DB-BD31-4B8C-83A1-F6EECF244321}">
+                <p14:modId xmlns:p14="http://schemas.microsoft.com/office/powerpoint/2010/main" val="1076067408"/>
+              </p:ext>
+            </p:extLst>
+          </p:nvPr>
+        </p:nvGraphicFramePr>
+        <p:xfrm>
+          <a:off x="467901" y="3915081"/>
+          <a:ext cx="1528154" cy="365760"/>
+        </p:xfrm>
+        <a:graphic>
+          <a:graphicData uri="http://schemas.openxmlformats.org/drawingml/2006/table">
+            <a:tbl>
+              <a:tblPr>
+                <a:tableStyleId>{638B1855-1B75-4FBE-930C-398BA8C253C6}</a:tableStyleId>
+              </a:tblPr>
+              <a:tblGrid>
+                <a:gridCol w="1528154">
+                  <a:extLst>
+                    <a:ext uri="{9D8B030D-6E8A-4147-A177-3AD203B41FA5}">
+                      <a16:colId xmlns:a16="http://schemas.microsoft.com/office/drawing/2014/main" val="4240773277"/>
+                    </a:ext>
+                  </a:extLst>
+                </a:gridCol>
+              </a:tblGrid>
+              <a:tr h="0">
+                <a:tc>
+                  <a:txBody>
+                    <a:bodyPr/>
+                    <a:lstStyle/>
+                    <a:p>
+                      <a:r>
+                        <a:rPr lang="en-US" altLang="zh-CN" u="sng" dirty="0" err="1"/>
+                        <a:t>im</a:t>
+                      </a:r>
+                      <a:r>
+                        <a:rPr lang="en-SG" u="sng" dirty="0"/>
+                        <a:t>0:</a:t>
+                      </a:r>
+                      <a:r>
+                        <a:rPr lang="en-SG" sz="1800" u="sng" dirty="0"/>
+                        <a:t>Inventory</a:t>
+                      </a:r>
+                      <a:endParaRPr lang="en-SG" sz="1600" u="sng" dirty="0"/>
+                    </a:p>
+                  </a:txBody>
+                  <a:tcPr/>
+                </a:tc>
+                <a:extLst>
+                  <a:ext uri="{0D108BD9-81ED-4DB2-BD59-A6C34878D82A}">
+                    <a16:rowId xmlns:a16="http://schemas.microsoft.com/office/drawing/2014/main" val="2194462629"/>
+                  </a:ext>
+                </a:extLst>
+              </a:tr>
+            </a:tbl>
+          </a:graphicData>
+        </a:graphic>
+      </p:graphicFrame>
+      <p:graphicFrame>
+        <p:nvGraphicFramePr>
+          <p:cNvPr id="34" name="Table 4">
+            <a:extLst>
+              <a:ext uri="{FF2B5EF4-FFF2-40B4-BE49-F238E27FC236}">
+                <a16:creationId xmlns:a16="http://schemas.microsoft.com/office/drawing/2014/main" id="{39B30603-98D1-4F11-8892-F9E59CCD28CA}"/>
+              </a:ext>
+            </a:extLst>
+          </p:cNvPr>
+          <p:cNvGraphicFramePr>
+            <a:graphicFrameLocks noGrp="1"/>
+          </p:cNvGraphicFramePr>
+          <p:nvPr>
+            <p:extLst>
+              <p:ext uri="{D42A27DB-BD31-4B8C-83A1-F6EECF244321}">
+                <p14:modId xmlns:p14="http://schemas.microsoft.com/office/powerpoint/2010/main" val="1463795979"/>
+              </p:ext>
+            </p:extLst>
+          </p:nvPr>
+        </p:nvGraphicFramePr>
+        <p:xfrm>
+          <a:off x="2120623" y="3925437"/>
+          <a:ext cx="1528154" cy="365760"/>
+        </p:xfrm>
+        <a:graphic>
+          <a:graphicData uri="http://schemas.openxmlformats.org/drawingml/2006/table">
+            <a:tbl>
+              <a:tblPr>
+                <a:tableStyleId>{638B1855-1B75-4FBE-930C-398BA8C253C6}</a:tableStyleId>
+              </a:tblPr>
+              <a:tblGrid>
+                <a:gridCol w="1528154">
+                  <a:extLst>
+                    <a:ext uri="{9D8B030D-6E8A-4147-A177-3AD203B41FA5}">
+                      <a16:colId xmlns:a16="http://schemas.microsoft.com/office/drawing/2014/main" val="4240773277"/>
+                    </a:ext>
+                  </a:extLst>
+                </a:gridCol>
+              </a:tblGrid>
+              <a:tr h="0">
+                <a:tc>
+                  <a:txBody>
+                    <a:bodyPr/>
+                    <a:lstStyle/>
+                    <a:p>
+                      <a:r>
+                        <a:rPr lang="en-US" altLang="zh-CN" u="sng" dirty="0" err="1"/>
+                        <a:t>im</a:t>
+                      </a:r>
+                      <a:r>
+                        <a:rPr lang="en-SG" altLang="zh-CN" u="sng" dirty="0"/>
+                        <a:t>1</a:t>
+                      </a:r>
+                      <a:r>
+                        <a:rPr lang="en-SG" u="sng" dirty="0"/>
+                        <a:t>:</a:t>
+                      </a:r>
+                      <a:r>
+                        <a:rPr lang="en-SG" sz="1800" u="sng" dirty="0"/>
+                        <a:t>Inventory</a:t>
+                      </a:r>
+                      <a:endParaRPr lang="en-SG" sz="1600" u="sng" dirty="0"/>
+                    </a:p>
+                  </a:txBody>
+                  <a:tcPr/>
+                </a:tc>
+                <a:extLst>
+                  <a:ext uri="{0D108BD9-81ED-4DB2-BD59-A6C34878D82A}">
+                    <a16:rowId xmlns:a16="http://schemas.microsoft.com/office/drawing/2014/main" val="2194462629"/>
+                  </a:ext>
+                </a:extLst>
+              </a:tr>
+            </a:tbl>
+          </a:graphicData>
+        </a:graphic>
+      </p:graphicFrame>
+      <p:graphicFrame>
+        <p:nvGraphicFramePr>
+          <p:cNvPr id="35" name="Table 4">
+            <a:extLst>
+              <a:ext uri="{FF2B5EF4-FFF2-40B4-BE49-F238E27FC236}">
+                <a16:creationId xmlns:a16="http://schemas.microsoft.com/office/drawing/2014/main" id="{830DC356-8826-47B8-B17F-7D1474BD371F}"/>
+              </a:ext>
+            </a:extLst>
+          </p:cNvPr>
+          <p:cNvGraphicFramePr>
+            <a:graphicFrameLocks noGrp="1"/>
+          </p:cNvGraphicFramePr>
+          <p:nvPr>
+            <p:extLst>
+              <p:ext uri="{D42A27DB-BD31-4B8C-83A1-F6EECF244321}">
+                <p14:modId xmlns:p14="http://schemas.microsoft.com/office/powerpoint/2010/main" val="2269128552"/>
+              </p:ext>
+            </p:extLst>
+          </p:nvPr>
+        </p:nvGraphicFramePr>
+        <p:xfrm>
+          <a:off x="3754351" y="3931533"/>
+          <a:ext cx="1528154" cy="365760"/>
+        </p:xfrm>
+        <a:graphic>
+          <a:graphicData uri="http://schemas.openxmlformats.org/drawingml/2006/table">
+            <a:tbl>
+              <a:tblPr>
+                <a:tableStyleId>{638B1855-1B75-4FBE-930C-398BA8C253C6}</a:tableStyleId>
+              </a:tblPr>
+              <a:tblGrid>
+                <a:gridCol w="1528154">
+                  <a:extLst>
+                    <a:ext uri="{9D8B030D-6E8A-4147-A177-3AD203B41FA5}">
+                      <a16:colId xmlns:a16="http://schemas.microsoft.com/office/drawing/2014/main" val="4240773277"/>
+                    </a:ext>
+                  </a:extLst>
+                </a:gridCol>
+              </a:tblGrid>
+              <a:tr h="0">
+                <a:tc>
+                  <a:txBody>
+                    <a:bodyPr/>
+                    <a:lstStyle/>
+                    <a:p>
+                      <a:r>
+                        <a:rPr lang="en-US" altLang="zh-CN" u="sng" dirty="0" err="1"/>
+                        <a:t>im</a:t>
+                      </a:r>
+                      <a:r>
+                        <a:rPr lang="en-SG" altLang="zh-CN" u="sng" dirty="0"/>
+                        <a:t>2</a:t>
+                      </a:r>
+                      <a:r>
+                        <a:rPr lang="en-SG" u="sng" dirty="0"/>
+                        <a:t>:</a:t>
+                      </a:r>
+                      <a:r>
+                        <a:rPr lang="en-SG" sz="1800" u="sng" dirty="0"/>
+                        <a:t>Inventory</a:t>
+                      </a:r>
+                      <a:endParaRPr lang="en-SG" sz="1600" u="sng" dirty="0"/>
+                    </a:p>
+                  </a:txBody>
+                  <a:tcPr/>
+                </a:tc>
+                <a:extLst>
+                  <a:ext uri="{0D108BD9-81ED-4DB2-BD59-A6C34878D82A}">
+                    <a16:rowId xmlns:a16="http://schemas.microsoft.com/office/drawing/2014/main" val="2194462629"/>
+                  </a:ext>
+                </a:extLst>
+              </a:tr>
+            </a:tbl>
+          </a:graphicData>
+        </a:graphic>
+      </p:graphicFrame>
     </p:spTree>
     <p:extLst>
       <p:ext uri="{BB962C8B-B14F-4D97-AF65-F5344CB8AC3E}">
